--- a/ch14/第14章 字符串解析、日期格式化.pptx
+++ b/ch14/第14章 字符串解析、日期格式化.pptx
@@ -171,7 +171,7 @@
   </p:defaultTextStyle>
   <p:extLst>
     <p:ext uri="{EFAFB233-063F-42B5-8137-9DF3F51BA10A}">
-      <p15:sldGuideLst xmlns:p15="http://schemas.microsoft.com/office/powerpoint/2012/main">
+      <p15:sldGuideLst xmlns:p15="http://schemas.microsoft.com/office/powerpoint/2012/main" xmlns="">
         <p15:guide id="1" orient="horz" pos="2160">
           <p15:clr>
             <a:srgbClr val="A4A3A4"/>
@@ -1502,31 +1502,31 @@
     </dgm:pt>
   </dgm:ptLst>
   <dgm:cxnLst>
+    <dgm:cxn modelId="{A9E86B60-B494-4BE6-8839-D0D6FBF2E6CA}" srcId="{19DFC9B8-459E-4C48-B5B3-F33E961D1464}" destId="{44AFC3B2-4B77-452A-8E35-1B70BEE807FE}" srcOrd="1" destOrd="0" parTransId="{85D52366-FEDF-46F5-9CD1-694282D58312}" sibTransId="{76F06A19-D2B6-4495-A764-8DBE5B3EB115}"/>
+    <dgm:cxn modelId="{74CF3E6C-10CE-4F33-BD4D-6BAEB1FBB128}" type="presOf" srcId="{19DFC9B8-459E-4C48-B5B3-F33E961D1464}" destId="{8FBEEE22-EA2E-4444-A11B-509A897F1179}" srcOrd="0" destOrd="0" presId="urn:microsoft.com/office/officeart/2005/8/layout/hierarchy3"/>
+    <dgm:cxn modelId="{63B4E63E-56DD-44F1-92A6-3D37F4CD3722}" type="presOf" srcId="{A222ABDA-E136-41AB-A65B-966794DF3213}" destId="{9D747A41-CD5D-40DB-A021-691719F66777}" srcOrd="0" destOrd="0" presId="urn:microsoft.com/office/officeart/2005/8/layout/hierarchy3"/>
+    <dgm:cxn modelId="{D527C085-0419-49E5-A40B-04BA7163201F}" type="presOf" srcId="{44AFC3B2-4B77-452A-8E35-1B70BEE807FE}" destId="{2DBBD6A3-537A-47F3-9A49-5315FFE225B2}" srcOrd="0" destOrd="0" presId="urn:microsoft.com/office/officeart/2005/8/layout/hierarchy3"/>
+    <dgm:cxn modelId="{BFF8188A-7DFC-440A-889B-F95F27D458B4}" type="presOf" srcId="{060DEDD6-DDF9-4CC8-98E8-40E230246F43}" destId="{094A4EC9-AA6C-4BAF-B0E5-402CE459D9C4}" srcOrd="0" destOrd="0" presId="urn:microsoft.com/office/officeart/2005/8/layout/hierarchy3"/>
+    <dgm:cxn modelId="{B8B961E5-5B26-4F47-B643-9012A19AE207}" type="presOf" srcId="{B5A4C215-B9F7-4D52-8C29-2BBCC8582FBF}" destId="{D8F72391-C235-424F-BFAC-D9AB6D53DCC1}" srcOrd="0" destOrd="0" presId="urn:microsoft.com/office/officeart/2005/8/layout/hierarchy3"/>
+    <dgm:cxn modelId="{4DEC3084-4DA9-4218-AA08-7C5D6A8A7600}" type="presOf" srcId="{494CACDE-D7FC-4A51-B477-CD92608857FA}" destId="{BFFDD45F-05F9-4E7E-BE4D-57DF51343182}" srcOrd="0" destOrd="0" presId="urn:microsoft.com/office/officeart/2005/8/layout/hierarchy3"/>
+    <dgm:cxn modelId="{EF391997-12A8-49E3-ABDD-A3C5C1647D4A}" srcId="{19DFC9B8-459E-4C48-B5B3-F33E961D1464}" destId="{B5A4C215-B9F7-4D52-8C29-2BBCC8582FBF}" srcOrd="0" destOrd="0" parTransId="{7C939855-FF11-4D68-A3BA-E39A030C245C}" sibTransId="{EB69F5CB-A3F3-4944-8B3D-D7E4AF77D062}"/>
+    <dgm:cxn modelId="{3CD86AC5-8FDF-4736-83D7-9214211A0DE4}" type="presOf" srcId="{18DDE63C-7F3E-4B3A-A757-74A7F8D0401E}" destId="{6E6633DF-7610-4018-B0FF-F1E5AF24632B}" srcOrd="0" destOrd="0" presId="urn:microsoft.com/office/officeart/2005/8/layout/hierarchy3"/>
+    <dgm:cxn modelId="{B53A2283-41A2-40BC-8D52-F4A9A611C670}" type="presOf" srcId="{A9CB2557-5748-43CC-9920-2235AC31CCE7}" destId="{208EDE76-5EB4-4607-81D5-5A8B3E4D0172}" srcOrd="0" destOrd="0" presId="urn:microsoft.com/office/officeart/2005/8/layout/hierarchy3"/>
+    <dgm:cxn modelId="{6756E4AE-C851-4FAA-B4F8-3D8DDCD1573C}" type="presOf" srcId="{EA520612-3606-410F-8229-2CD7251A7003}" destId="{71181962-A4F4-4D9D-BA5D-49AC7A1B23C2}" srcOrd="0" destOrd="0" presId="urn:microsoft.com/office/officeart/2005/8/layout/hierarchy3"/>
+    <dgm:cxn modelId="{5C34F8BE-54CD-45BD-994C-3ECB3097712A}" srcId="{B5A4C215-B9F7-4D52-8C29-2BBCC8582FBF}" destId="{A222ABDA-E136-41AB-A65B-966794DF3213}" srcOrd="1" destOrd="0" parTransId="{32AE0855-68A6-476F-9D42-5D02ABC300B0}" sibTransId="{DBA9180F-BCC4-4553-AA8B-7CBA0415651A}"/>
+    <dgm:cxn modelId="{AC9574AC-FEEE-4396-A107-2EF173B88FB9}" srcId="{44AFC3B2-4B77-452A-8E35-1B70BEE807FE}" destId="{3F8AD759-7291-4AB4-AADF-FEA38994AFCB}" srcOrd="0" destOrd="0" parTransId="{A8A2FD80-3B70-4969-B9E1-3FAFDE2025A8}" sibTransId="{5865EC27-79C3-40FB-AD85-A76B11775184}"/>
+    <dgm:cxn modelId="{51960531-1CEC-4ED5-8312-614A6E2931C6}" type="presOf" srcId="{D9F5ABEC-F692-4825-977D-09AC4A59E3D2}" destId="{428F9DAC-CB75-4223-8EF4-D07FE73D9086}" srcOrd="0" destOrd="0" presId="urn:microsoft.com/office/officeart/2005/8/layout/hierarchy3"/>
+    <dgm:cxn modelId="{0A5B1087-3B26-4B83-8394-2610DA71A29D}" srcId="{44AFC3B2-4B77-452A-8E35-1B70BEE807FE}" destId="{592471E1-71A6-4D83-A3D2-51F75D246028}" srcOrd="1" destOrd="0" parTransId="{A9CB2557-5748-43CC-9920-2235AC31CCE7}" sibTransId="{1C361BA3-1DB0-4515-A299-7DC686BB67D3}"/>
+    <dgm:cxn modelId="{19EFCB25-54DA-4F2E-BCB7-C810AAE128DF}" type="presOf" srcId="{32AE0855-68A6-476F-9D42-5D02ABC300B0}" destId="{B9C6672E-DC55-4B60-BD6F-DC53D931A1A7}" srcOrd="0" destOrd="0" presId="urn:microsoft.com/office/officeart/2005/8/layout/hierarchy3"/>
+    <dgm:cxn modelId="{6E24C25D-A2AE-484E-9AFE-89EBCDC855BA}" type="presOf" srcId="{592471E1-71A6-4D83-A3D2-51F75D246028}" destId="{257C81D2-A731-43FE-8461-9601AE11974A}" srcOrd="0" destOrd="0" presId="urn:microsoft.com/office/officeart/2005/8/layout/hierarchy3"/>
+    <dgm:cxn modelId="{C7752ABA-380C-4B30-BFCC-6080DC12A16E}" srcId="{44AFC3B2-4B77-452A-8E35-1B70BEE807FE}" destId="{060DEDD6-DDF9-4CC8-98E8-40E230246F43}" srcOrd="2" destOrd="0" parTransId="{EA520612-3606-410F-8229-2CD7251A7003}" sibTransId="{69AC6C25-1C41-4B64-8F64-B2679B697E23}"/>
+    <dgm:cxn modelId="{9B153B50-81FE-49AF-91D8-FB8B56852FA6}" type="presOf" srcId="{3FA511C6-4846-438C-A24D-C482E862E508}" destId="{1AC412C5-B88C-4B28-ACAE-9D9066833D64}" srcOrd="0" destOrd="0" presId="urn:microsoft.com/office/officeart/2005/8/layout/hierarchy3"/>
+    <dgm:cxn modelId="{58323083-DDEF-4DCE-A20C-E34F4D7751FA}" srcId="{B5A4C215-B9F7-4D52-8C29-2BBCC8582FBF}" destId="{18DDE63C-7F3E-4B3A-A757-74A7F8D0401E}" srcOrd="0" destOrd="0" parTransId="{494CACDE-D7FC-4A51-B477-CD92608857FA}" sibTransId="{A5030AC0-FE79-4B62-B27E-14C9DCCB4301}"/>
+    <dgm:cxn modelId="{CDA7659C-A45B-4E8F-9DB6-00640556A473}" type="presOf" srcId="{B5A4C215-B9F7-4D52-8C29-2BBCC8582FBF}" destId="{9015810C-B4E7-402C-A72A-058D58583E51}" srcOrd="1" destOrd="0" presId="urn:microsoft.com/office/officeart/2005/8/layout/hierarchy3"/>
     <dgm:cxn modelId="{4B15AA87-8772-4F61-8F32-90C5C3A15F59}" type="presOf" srcId="{3F8AD759-7291-4AB4-AADF-FEA38994AFCB}" destId="{28D35E14-390F-43CA-9F11-6EA8426C2DA0}" srcOrd="0" destOrd="0" presId="urn:microsoft.com/office/officeart/2005/8/layout/hierarchy3"/>
-    <dgm:cxn modelId="{A9E86B60-B494-4BE6-8839-D0D6FBF2E6CA}" srcId="{19DFC9B8-459E-4C48-B5B3-F33E961D1464}" destId="{44AFC3B2-4B77-452A-8E35-1B70BEE807FE}" srcOrd="1" destOrd="0" parTransId="{85D52366-FEDF-46F5-9CD1-694282D58312}" sibTransId="{76F06A19-D2B6-4495-A764-8DBE5B3EB115}"/>
-    <dgm:cxn modelId="{B8B961E5-5B26-4F47-B643-9012A19AE207}" type="presOf" srcId="{B5A4C215-B9F7-4D52-8C29-2BBCC8582FBF}" destId="{D8F72391-C235-424F-BFAC-D9AB6D53DCC1}" srcOrd="0" destOrd="0" presId="urn:microsoft.com/office/officeart/2005/8/layout/hierarchy3"/>
-    <dgm:cxn modelId="{3CD86AC5-8FDF-4736-83D7-9214211A0DE4}" type="presOf" srcId="{18DDE63C-7F3E-4B3A-A757-74A7F8D0401E}" destId="{6E6633DF-7610-4018-B0FF-F1E5AF24632B}" srcOrd="0" destOrd="0" presId="urn:microsoft.com/office/officeart/2005/8/layout/hierarchy3"/>
-    <dgm:cxn modelId="{6E24C25D-A2AE-484E-9AFE-89EBCDC855BA}" type="presOf" srcId="{592471E1-71A6-4D83-A3D2-51F75D246028}" destId="{257C81D2-A731-43FE-8461-9601AE11974A}" srcOrd="0" destOrd="0" presId="urn:microsoft.com/office/officeart/2005/8/layout/hierarchy3"/>
-    <dgm:cxn modelId="{5C34F8BE-54CD-45BD-994C-3ECB3097712A}" srcId="{B5A4C215-B9F7-4D52-8C29-2BBCC8582FBF}" destId="{A222ABDA-E136-41AB-A65B-966794DF3213}" srcOrd="1" destOrd="0" parTransId="{32AE0855-68A6-476F-9D42-5D02ABC300B0}" sibTransId="{DBA9180F-BCC4-4553-AA8B-7CBA0415651A}"/>
-    <dgm:cxn modelId="{51960531-1CEC-4ED5-8312-614A6E2931C6}" type="presOf" srcId="{D9F5ABEC-F692-4825-977D-09AC4A59E3D2}" destId="{428F9DAC-CB75-4223-8EF4-D07FE73D9086}" srcOrd="0" destOrd="0" presId="urn:microsoft.com/office/officeart/2005/8/layout/hierarchy3"/>
-    <dgm:cxn modelId="{6756E4AE-C851-4FAA-B4F8-3D8DDCD1573C}" type="presOf" srcId="{EA520612-3606-410F-8229-2CD7251A7003}" destId="{71181962-A4F4-4D9D-BA5D-49AC7A1B23C2}" srcOrd="0" destOrd="0" presId="urn:microsoft.com/office/officeart/2005/8/layout/hierarchy3"/>
-    <dgm:cxn modelId="{9B153B50-81FE-49AF-91D8-FB8B56852FA6}" type="presOf" srcId="{3FA511C6-4846-438C-A24D-C482E862E508}" destId="{1AC412C5-B88C-4B28-ACAE-9D9066833D64}" srcOrd="0" destOrd="0" presId="urn:microsoft.com/office/officeart/2005/8/layout/hierarchy3"/>
-    <dgm:cxn modelId="{AC9574AC-FEEE-4396-A107-2EF173B88FB9}" srcId="{44AFC3B2-4B77-452A-8E35-1B70BEE807FE}" destId="{3F8AD759-7291-4AB4-AADF-FEA38994AFCB}" srcOrd="0" destOrd="0" parTransId="{A8A2FD80-3B70-4969-B9E1-3FAFDE2025A8}" sibTransId="{5865EC27-79C3-40FB-AD85-A76B11775184}"/>
     <dgm:cxn modelId="{4A16D00D-D8D1-4F2C-A63D-4AB2C70D8C0B}" type="presOf" srcId="{44AFC3B2-4B77-452A-8E35-1B70BEE807FE}" destId="{802AC92A-8850-453E-BBA4-B898BA3145CF}" srcOrd="1" destOrd="0" presId="urn:microsoft.com/office/officeart/2005/8/layout/hierarchy3"/>
-    <dgm:cxn modelId="{C7752ABA-380C-4B30-BFCC-6080DC12A16E}" srcId="{44AFC3B2-4B77-452A-8E35-1B70BEE807FE}" destId="{060DEDD6-DDF9-4CC8-98E8-40E230246F43}" srcOrd="2" destOrd="0" parTransId="{EA520612-3606-410F-8229-2CD7251A7003}" sibTransId="{69AC6C25-1C41-4B64-8F64-B2679B697E23}"/>
-    <dgm:cxn modelId="{74CF3E6C-10CE-4F33-BD4D-6BAEB1FBB128}" type="presOf" srcId="{19DFC9B8-459E-4C48-B5B3-F33E961D1464}" destId="{8FBEEE22-EA2E-4444-A11B-509A897F1179}" srcOrd="0" destOrd="0" presId="urn:microsoft.com/office/officeart/2005/8/layout/hierarchy3"/>
-    <dgm:cxn modelId="{0A5B1087-3B26-4B83-8394-2610DA71A29D}" srcId="{44AFC3B2-4B77-452A-8E35-1B70BEE807FE}" destId="{592471E1-71A6-4D83-A3D2-51F75D246028}" srcOrd="1" destOrd="0" parTransId="{A9CB2557-5748-43CC-9920-2235AC31CCE7}" sibTransId="{1C361BA3-1DB0-4515-A299-7DC686BB67D3}"/>
-    <dgm:cxn modelId="{63B4E63E-56DD-44F1-92A6-3D37F4CD3722}" type="presOf" srcId="{A222ABDA-E136-41AB-A65B-966794DF3213}" destId="{9D747A41-CD5D-40DB-A021-691719F66777}" srcOrd="0" destOrd="0" presId="urn:microsoft.com/office/officeart/2005/8/layout/hierarchy3"/>
+    <dgm:cxn modelId="{65CDA57D-FA9A-44EF-BB93-FD322BDFF420}" type="presOf" srcId="{A8A2FD80-3B70-4969-B9E1-3FAFDE2025A8}" destId="{9AD9E17C-21FD-49E5-8080-4AEB422FC4C4}" srcOrd="0" destOrd="0" presId="urn:microsoft.com/office/officeart/2005/8/layout/hierarchy3"/>
     <dgm:cxn modelId="{C500D655-4DE7-4D49-B718-3C7FABF14E30}" srcId="{B5A4C215-B9F7-4D52-8C29-2BBCC8582FBF}" destId="{D9F5ABEC-F692-4825-977D-09AC4A59E3D2}" srcOrd="2" destOrd="0" parTransId="{3FA511C6-4846-438C-A24D-C482E862E508}" sibTransId="{FED0D4E8-3A6B-41FD-A742-2F73A036F148}"/>
-    <dgm:cxn modelId="{B53A2283-41A2-40BC-8D52-F4A9A611C670}" type="presOf" srcId="{A9CB2557-5748-43CC-9920-2235AC31CCE7}" destId="{208EDE76-5EB4-4607-81D5-5A8B3E4D0172}" srcOrd="0" destOrd="0" presId="urn:microsoft.com/office/officeart/2005/8/layout/hierarchy3"/>
-    <dgm:cxn modelId="{D527C085-0419-49E5-A40B-04BA7163201F}" type="presOf" srcId="{44AFC3B2-4B77-452A-8E35-1B70BEE807FE}" destId="{2DBBD6A3-537A-47F3-9A49-5315FFE225B2}" srcOrd="0" destOrd="0" presId="urn:microsoft.com/office/officeart/2005/8/layout/hierarchy3"/>
-    <dgm:cxn modelId="{4DEC3084-4DA9-4218-AA08-7C5D6A8A7600}" type="presOf" srcId="{494CACDE-D7FC-4A51-B477-CD92608857FA}" destId="{BFFDD45F-05F9-4E7E-BE4D-57DF51343182}" srcOrd="0" destOrd="0" presId="urn:microsoft.com/office/officeart/2005/8/layout/hierarchy3"/>
-    <dgm:cxn modelId="{65CDA57D-FA9A-44EF-BB93-FD322BDFF420}" type="presOf" srcId="{A8A2FD80-3B70-4969-B9E1-3FAFDE2025A8}" destId="{9AD9E17C-21FD-49E5-8080-4AEB422FC4C4}" srcOrd="0" destOrd="0" presId="urn:microsoft.com/office/officeart/2005/8/layout/hierarchy3"/>
-    <dgm:cxn modelId="{CDA7659C-A45B-4E8F-9DB6-00640556A473}" type="presOf" srcId="{B5A4C215-B9F7-4D52-8C29-2BBCC8582FBF}" destId="{9015810C-B4E7-402C-A72A-058D58583E51}" srcOrd="1" destOrd="0" presId="urn:microsoft.com/office/officeart/2005/8/layout/hierarchy3"/>
-    <dgm:cxn modelId="{58323083-DDEF-4DCE-A20C-E34F4D7751FA}" srcId="{B5A4C215-B9F7-4D52-8C29-2BBCC8582FBF}" destId="{18DDE63C-7F3E-4B3A-A757-74A7F8D0401E}" srcOrd="0" destOrd="0" parTransId="{494CACDE-D7FC-4A51-B477-CD92608857FA}" sibTransId="{A5030AC0-FE79-4B62-B27E-14C9DCCB4301}"/>
-    <dgm:cxn modelId="{EF391997-12A8-49E3-ABDD-A3C5C1647D4A}" srcId="{19DFC9B8-459E-4C48-B5B3-F33E961D1464}" destId="{B5A4C215-B9F7-4D52-8C29-2BBCC8582FBF}" srcOrd="0" destOrd="0" parTransId="{7C939855-FF11-4D68-A3BA-E39A030C245C}" sibTransId="{EB69F5CB-A3F3-4944-8B3D-D7E4AF77D062}"/>
-    <dgm:cxn modelId="{19EFCB25-54DA-4F2E-BCB7-C810AAE128DF}" type="presOf" srcId="{32AE0855-68A6-476F-9D42-5D02ABC300B0}" destId="{B9C6672E-DC55-4B60-BD6F-DC53D931A1A7}" srcOrd="0" destOrd="0" presId="urn:microsoft.com/office/officeart/2005/8/layout/hierarchy3"/>
-    <dgm:cxn modelId="{BFF8188A-7DFC-440A-889B-F95F27D458B4}" type="presOf" srcId="{060DEDD6-DDF9-4CC8-98E8-40E230246F43}" destId="{094A4EC9-AA6C-4BAF-B0E5-402CE459D9C4}" srcOrd="0" destOrd="0" presId="urn:microsoft.com/office/officeart/2005/8/layout/hierarchy3"/>
     <dgm:cxn modelId="{866E43C2-FD57-4D4C-8D4C-54F6733EAE17}" type="presParOf" srcId="{8FBEEE22-EA2E-4444-A11B-509A897F1179}" destId="{9A31F0AE-F46F-4167-A28F-D12A43EBFA2B}" srcOrd="0" destOrd="0" presId="urn:microsoft.com/office/officeart/2005/8/layout/hierarchy3"/>
     <dgm:cxn modelId="{8D121F9D-7733-4B00-895A-49F4CF2CA4EE}" type="presParOf" srcId="{9A31F0AE-F46F-4167-A28F-D12A43EBFA2B}" destId="{FDC25452-8349-4D7D-80FF-20A7207BE293}" srcOrd="0" destOrd="0" presId="urn:microsoft.com/office/officeart/2005/8/layout/hierarchy3"/>
     <dgm:cxn modelId="{CFD23643-EACF-48BB-8512-9048FDD89086}" type="presParOf" srcId="{FDC25452-8349-4D7D-80FF-20A7207BE293}" destId="{D8F72391-C235-424F-BFAC-D9AB6D53DCC1}" srcOrd="0" destOrd="0" presId="urn:microsoft.com/office/officeart/2005/8/layout/hierarchy3"/>
@@ -1554,7 +1554,7 @@
   <dgm:whole/>
   <dgm:extLst>
     <a:ext uri="http://schemas.microsoft.com/office/drawing/2008/diagram">
-      <dsp:dataModelExt xmlns:dsp="http://schemas.microsoft.com/office/drawing/2008/diagram" relId="rId6" minVer="http://schemas.openxmlformats.org/drawingml/2006/diagram"/>
+      <dsp:dataModelExt xmlns:dsp="http://schemas.microsoft.com/office/drawing/2008/diagram" xmlns="" relId="rId6" minVer="http://schemas.openxmlformats.org/drawingml/2006/diagram"/>
     </a:ext>
   </dgm:extLst>
 </dgm:dataModel>
@@ -4123,7 +4123,7 @@
     </p:spTree>
     <p:extLst>
       <p:ext uri="{BB962C8B-B14F-4D97-AF65-F5344CB8AC3E}">
-        <p14:creationId xmlns:p14="http://schemas.microsoft.com/office/powerpoint/2010/main" val="3086881334"/>
+        <p14:creationId xmlns:p14="http://schemas.microsoft.com/office/powerpoint/2010/main" xmlns="" val="3086881334"/>
       </p:ext>
     </p:extLst>
   </p:cSld>
@@ -4287,7 +4287,7 @@
           </a:ln>
           <a:extLst>
             <a:ext uri="{909E8E84-426E-40DD-AFC4-6F175D3DCCD1}">
-              <a14:hiddenFill xmlns:a14="http://schemas.microsoft.com/office/drawing/2010/main">
+              <a14:hiddenFill xmlns:a14="http://schemas.microsoft.com/office/drawing/2010/main" xmlns="">
                 <a:solidFill>
                   <a:srgbClr val="FFFFFF"/>
                 </a:solidFill>
@@ -4479,7 +4479,7 @@
     </p:spTree>
     <p:extLst>
       <p:ext uri="{BB962C8B-B14F-4D97-AF65-F5344CB8AC3E}">
-        <p14:creationId xmlns:p14="http://schemas.microsoft.com/office/powerpoint/2010/main" val="2255781869"/>
+        <p14:creationId xmlns:p14="http://schemas.microsoft.com/office/powerpoint/2010/main" xmlns="" val="2255781869"/>
       </p:ext>
     </p:extLst>
   </p:cSld>
@@ -4655,14 +4655,14 @@
           <a:ln/>
           <a:extLst>
             <a:ext uri="{909E8E84-426E-40DD-AFC4-6F175D3DCCD1}">
-              <a14:hiddenFill xmlns:a14="http://schemas.microsoft.com/office/drawing/2010/main">
+              <a14:hiddenFill xmlns:a14="http://schemas.microsoft.com/office/drawing/2010/main" xmlns="">
                 <a:solidFill>
                   <a:srgbClr val="FFFFFF"/>
                 </a:solidFill>
               </a14:hiddenFill>
             </a:ext>
             <a:ext uri="{91240B29-F687-4F45-9708-019B960494DF}">
-              <a14:hiddenLine xmlns:a14="http://schemas.microsoft.com/office/drawing/2010/main" w="9525">
+              <a14:hiddenLine xmlns:a14="http://schemas.microsoft.com/office/drawing/2010/main" xmlns="" w="9525">
                 <a:solidFill>
                   <a:srgbClr val="000000"/>
                 </a:solidFill>
@@ -4696,14 +4696,14 @@
           <a:ln/>
           <a:extLst>
             <a:ext uri="{909E8E84-426E-40DD-AFC4-6F175D3DCCD1}">
-              <a14:hiddenFill xmlns:a14="http://schemas.microsoft.com/office/drawing/2010/main">
+              <a14:hiddenFill xmlns:a14="http://schemas.microsoft.com/office/drawing/2010/main" xmlns="">
                 <a:solidFill>
                   <a:srgbClr val="FFFFFF"/>
                 </a:solidFill>
               </a14:hiddenFill>
             </a:ext>
             <a:ext uri="{91240B29-F687-4F45-9708-019B960494DF}">
-              <a14:hiddenLine xmlns:a14="http://schemas.microsoft.com/office/drawing/2010/main" w="9525">
+              <a14:hiddenLine xmlns:a14="http://schemas.microsoft.com/office/drawing/2010/main" xmlns="" w="9525">
                 <a:solidFill>
                   <a:srgbClr val="000000"/>
                 </a:solidFill>
@@ -4836,7 +4836,7 @@
     </p:spTree>
     <p:extLst>
       <p:ext uri="{BB962C8B-B14F-4D97-AF65-F5344CB8AC3E}">
-        <p14:creationId xmlns:p14="http://schemas.microsoft.com/office/powerpoint/2010/main" val="654694687"/>
+        <p14:creationId xmlns:p14="http://schemas.microsoft.com/office/powerpoint/2010/main" xmlns="" val="654694687"/>
       </p:ext>
     </p:extLst>
   </p:cSld>
@@ -4892,14 +4892,14 @@
           <a:ln/>
           <a:extLst>
             <a:ext uri="{909E8E84-426E-40DD-AFC4-6F175D3DCCD1}">
-              <a14:hiddenFill xmlns:a14="http://schemas.microsoft.com/office/drawing/2010/main">
+              <a14:hiddenFill xmlns:a14="http://schemas.microsoft.com/office/drawing/2010/main" xmlns="">
                 <a:solidFill>
                   <a:srgbClr val="FFFFFF"/>
                 </a:solidFill>
               </a14:hiddenFill>
             </a:ext>
             <a:ext uri="{91240B29-F687-4F45-9708-019B960494DF}">
-              <a14:hiddenLine xmlns:a14="http://schemas.microsoft.com/office/drawing/2010/main" w="9525">
+              <a14:hiddenLine xmlns:a14="http://schemas.microsoft.com/office/drawing/2010/main" xmlns="" w="9525">
                 <a:solidFill>
                   <a:srgbClr val="000000"/>
                 </a:solidFill>
@@ -4933,14 +4933,14 @@
           <a:ln/>
           <a:extLst>
             <a:ext uri="{909E8E84-426E-40DD-AFC4-6F175D3DCCD1}">
-              <a14:hiddenFill xmlns:a14="http://schemas.microsoft.com/office/drawing/2010/main">
+              <a14:hiddenFill xmlns:a14="http://schemas.microsoft.com/office/drawing/2010/main" xmlns="">
                 <a:solidFill>
                   <a:srgbClr val="FFFFFF"/>
                 </a:solidFill>
               </a14:hiddenFill>
             </a:ext>
             <a:ext uri="{91240B29-F687-4F45-9708-019B960494DF}">
-              <a14:hiddenLine xmlns:a14="http://schemas.microsoft.com/office/drawing/2010/main" w="9525">
+              <a14:hiddenLine xmlns:a14="http://schemas.microsoft.com/office/drawing/2010/main" xmlns="" w="9525">
                 <a:solidFill>
                   <a:srgbClr val="000000"/>
                 </a:solidFill>
@@ -5073,7 +5073,7 @@
     </p:spTree>
     <p:extLst>
       <p:ext uri="{BB962C8B-B14F-4D97-AF65-F5344CB8AC3E}">
-        <p14:creationId xmlns:p14="http://schemas.microsoft.com/office/powerpoint/2010/main" val="1915856385"/>
+        <p14:creationId xmlns:p14="http://schemas.microsoft.com/office/powerpoint/2010/main" xmlns="" val="1915856385"/>
       </p:ext>
     </p:extLst>
   </p:cSld>
@@ -5163,7 +5163,7 @@
     </p:spTree>
     <p:extLst>
       <p:ext uri="{BB962C8B-B14F-4D97-AF65-F5344CB8AC3E}">
-        <p14:creationId xmlns:p14="http://schemas.microsoft.com/office/powerpoint/2010/main" val="1141280805"/>
+        <p14:creationId xmlns:p14="http://schemas.microsoft.com/office/powerpoint/2010/main" xmlns="" val="1141280805"/>
       </p:ext>
     </p:extLst>
   </p:cSld>
@@ -5253,7 +5253,7 @@
     </p:spTree>
     <p:extLst>
       <p:ext uri="{BB962C8B-B14F-4D97-AF65-F5344CB8AC3E}">
-        <p14:creationId xmlns:p14="http://schemas.microsoft.com/office/powerpoint/2010/main" val="632504248"/>
+        <p14:creationId xmlns:p14="http://schemas.microsoft.com/office/powerpoint/2010/main" xmlns="" val="632504248"/>
       </p:ext>
     </p:extLst>
   </p:cSld>
@@ -5371,7 +5371,7 @@
     </p:spTree>
     <p:extLst>
       <p:ext uri="{BB962C8B-B14F-4D97-AF65-F5344CB8AC3E}">
-        <p14:creationId xmlns:p14="http://schemas.microsoft.com/office/powerpoint/2010/main" val="4176509136"/>
+        <p14:creationId xmlns:p14="http://schemas.microsoft.com/office/powerpoint/2010/main" xmlns="" val="4176509136"/>
       </p:ext>
     </p:extLst>
   </p:cSld>
@@ -5427,14 +5427,14 @@
           <a:ln/>
           <a:extLst>
             <a:ext uri="{909E8E84-426E-40DD-AFC4-6F175D3DCCD1}">
-              <a14:hiddenFill xmlns:a14="http://schemas.microsoft.com/office/drawing/2010/main">
+              <a14:hiddenFill xmlns:a14="http://schemas.microsoft.com/office/drawing/2010/main" xmlns="">
                 <a:solidFill>
                   <a:srgbClr val="FFFFFF"/>
                 </a:solidFill>
               </a14:hiddenFill>
             </a:ext>
             <a:ext uri="{91240B29-F687-4F45-9708-019B960494DF}">
-              <a14:hiddenLine xmlns:a14="http://schemas.microsoft.com/office/drawing/2010/main" w="9525">
+              <a14:hiddenLine xmlns:a14="http://schemas.microsoft.com/office/drawing/2010/main" xmlns="" w="9525">
                 <a:solidFill>
                   <a:srgbClr val="000000"/>
                 </a:solidFill>
@@ -5468,14 +5468,14 @@
           <a:ln/>
           <a:extLst>
             <a:ext uri="{909E8E84-426E-40DD-AFC4-6F175D3DCCD1}">
-              <a14:hiddenFill xmlns:a14="http://schemas.microsoft.com/office/drawing/2010/main">
+              <a14:hiddenFill xmlns:a14="http://schemas.microsoft.com/office/drawing/2010/main" xmlns="">
                 <a:solidFill>
                   <a:srgbClr val="FFFFFF"/>
                 </a:solidFill>
               </a14:hiddenFill>
             </a:ext>
             <a:ext uri="{91240B29-F687-4F45-9708-019B960494DF}">
-              <a14:hiddenLine xmlns:a14="http://schemas.microsoft.com/office/drawing/2010/main" w="9525">
+              <a14:hiddenLine xmlns:a14="http://schemas.microsoft.com/office/drawing/2010/main" xmlns="" w="9525">
                 <a:solidFill>
                   <a:srgbClr val="000000"/>
                 </a:solidFill>
@@ -5608,7 +5608,7 @@
     </p:spTree>
     <p:extLst>
       <p:ext uri="{BB962C8B-B14F-4D97-AF65-F5344CB8AC3E}">
-        <p14:creationId xmlns:p14="http://schemas.microsoft.com/office/powerpoint/2010/main" val="3366403466"/>
+        <p14:creationId xmlns:p14="http://schemas.microsoft.com/office/powerpoint/2010/main" xmlns="" val="3366403466"/>
       </p:ext>
     </p:extLst>
   </p:cSld>
@@ -5698,7 +5698,7 @@
     </p:spTree>
     <p:extLst>
       <p:ext uri="{BB962C8B-B14F-4D97-AF65-F5344CB8AC3E}">
-        <p14:creationId xmlns:p14="http://schemas.microsoft.com/office/powerpoint/2010/main" val="2352822200"/>
+        <p14:creationId xmlns:p14="http://schemas.microsoft.com/office/powerpoint/2010/main" xmlns="" val="2352822200"/>
       </p:ext>
     </p:extLst>
   </p:cSld>
@@ -6143,7 +6143,7 @@
     </p:spTree>
     <p:extLst>
       <p:ext uri="{BB962C8B-B14F-4D97-AF65-F5344CB8AC3E}">
-        <p14:creationId xmlns:p14="http://schemas.microsoft.com/office/powerpoint/2010/main" val="356029465"/>
+        <p14:creationId xmlns:p14="http://schemas.microsoft.com/office/powerpoint/2010/main" xmlns="" val="356029465"/>
       </p:ext>
     </p:extLst>
   </p:cSld>
@@ -6199,14 +6199,14 @@
           <a:ln/>
           <a:extLst>
             <a:ext uri="{909E8E84-426E-40DD-AFC4-6F175D3DCCD1}">
-              <a14:hiddenFill xmlns:a14="http://schemas.microsoft.com/office/drawing/2010/main">
+              <a14:hiddenFill xmlns:a14="http://schemas.microsoft.com/office/drawing/2010/main" xmlns="">
                 <a:solidFill>
                   <a:srgbClr val="FFFFFF"/>
                 </a:solidFill>
               </a14:hiddenFill>
             </a:ext>
             <a:ext uri="{91240B29-F687-4F45-9708-019B960494DF}">
-              <a14:hiddenLine xmlns:a14="http://schemas.microsoft.com/office/drawing/2010/main" w="9525">
+              <a14:hiddenLine xmlns:a14="http://schemas.microsoft.com/office/drawing/2010/main" xmlns="" w="9525">
                 <a:solidFill>
                   <a:srgbClr val="000000"/>
                 </a:solidFill>
@@ -6240,14 +6240,14 @@
           <a:ln/>
           <a:extLst>
             <a:ext uri="{909E8E84-426E-40DD-AFC4-6F175D3DCCD1}">
-              <a14:hiddenFill xmlns:a14="http://schemas.microsoft.com/office/drawing/2010/main">
+              <a14:hiddenFill xmlns:a14="http://schemas.microsoft.com/office/drawing/2010/main" xmlns="">
                 <a:solidFill>
                   <a:srgbClr val="FFFFFF"/>
                 </a:solidFill>
               </a14:hiddenFill>
             </a:ext>
             <a:ext uri="{91240B29-F687-4F45-9708-019B960494DF}">
-              <a14:hiddenLine xmlns:a14="http://schemas.microsoft.com/office/drawing/2010/main" w="9525">
+              <a14:hiddenLine xmlns:a14="http://schemas.microsoft.com/office/drawing/2010/main" xmlns="" w="9525">
                 <a:solidFill>
                   <a:srgbClr val="000000"/>
                 </a:solidFill>
@@ -6380,7 +6380,7 @@
     </p:spTree>
     <p:extLst>
       <p:ext uri="{BB962C8B-B14F-4D97-AF65-F5344CB8AC3E}">
-        <p14:creationId xmlns:p14="http://schemas.microsoft.com/office/powerpoint/2010/main" val="1361584595"/>
+        <p14:creationId xmlns:p14="http://schemas.microsoft.com/office/powerpoint/2010/main" xmlns="" val="1361584595"/>
       </p:ext>
     </p:extLst>
   </p:cSld>
@@ -6410,7 +6410,7 @@
     </p:spTree>
     <p:extLst>
       <p:ext uri="{BB962C8B-B14F-4D97-AF65-F5344CB8AC3E}">
-        <p14:creationId xmlns:p14="http://schemas.microsoft.com/office/powerpoint/2010/main" val="3346310900"/>
+        <p14:creationId xmlns:p14="http://schemas.microsoft.com/office/powerpoint/2010/main" xmlns="" val="3346310900"/>
       </p:ext>
     </p:extLst>
   </p:cSld>
@@ -6690,7 +6690,7 @@
           <a:blip r:embed="rId2">
             <a:extLst>
               <a:ext uri="{28A0092B-C50C-407E-A947-70E740481C1C}">
-                <a14:useLocalDpi xmlns:a14="http://schemas.microsoft.com/office/drawing/2010/main" val="0"/>
+                <a14:useLocalDpi xmlns:a14="http://schemas.microsoft.com/office/drawing/2010/main" xmlns="" val="0"/>
               </a:ext>
             </a:extLst>
           </a:blip>
@@ -6713,14 +6713,14 @@
           </a:ln>
           <a:extLst>
             <a:ext uri="{909E8E84-426E-40DD-AFC4-6F175D3DCCD1}">
-              <a14:hiddenFill xmlns:a14="http://schemas.microsoft.com/office/drawing/2010/main">
+              <a14:hiddenFill xmlns:a14="http://schemas.microsoft.com/office/drawing/2010/main" xmlns="">
                 <a:solidFill>
                   <a:srgbClr val="FFFFFF"/>
                 </a:solidFill>
               </a14:hiddenFill>
             </a:ext>
             <a:ext uri="{91240B29-F687-4F45-9708-019B960494DF}">
-              <a14:hiddenLine xmlns:a14="http://schemas.microsoft.com/office/drawing/2010/main" w="9525">
+              <a14:hiddenLine xmlns:a14="http://schemas.microsoft.com/office/drawing/2010/main" xmlns="" w="9525">
                 <a:solidFill>
                   <a:srgbClr val="000000"/>
                 </a:solidFill>
@@ -6735,7 +6735,7 @@
     </p:spTree>
     <p:extLst>
       <p:ext uri="{BB962C8B-B14F-4D97-AF65-F5344CB8AC3E}">
-        <p14:creationId xmlns:p14="http://schemas.microsoft.com/office/powerpoint/2010/main" val="3975342024"/>
+        <p14:creationId xmlns:p14="http://schemas.microsoft.com/office/powerpoint/2010/main" xmlns="" val="3975342024"/>
       </p:ext>
     </p:extLst>
   </p:cSld>
@@ -6980,6 +6980,7 @@
                 <a:latin typeface="微软雅黑" pitchFamily="34" charset="-122"/>
                 <a:ea typeface="微软雅黑" pitchFamily="34" charset="-122"/>
               </a:rPr>
+              <a:pPr/>
               <a:t>‹#›</a:t>
             </a:fld>
             <a:endParaRPr lang="zh-CN" altLang="en-US" sz="1800">
@@ -6995,7 +6996,7 @@
     </p:spTree>
     <p:extLst>
       <p:ext uri="{BB962C8B-B14F-4D97-AF65-F5344CB8AC3E}">
-        <p14:creationId xmlns:p14="http://schemas.microsoft.com/office/powerpoint/2010/main" val="4105768107"/>
+        <p14:creationId xmlns:p14="http://schemas.microsoft.com/office/powerpoint/2010/main" xmlns="" val="4105768107"/>
       </p:ext>
     </p:extLst>
   </p:cSld>
@@ -7388,6 +7389,7 @@
                 <a:latin typeface="微软雅黑" pitchFamily="34" charset="-122"/>
                 <a:ea typeface="微软雅黑" pitchFamily="34" charset="-122"/>
               </a:rPr>
+              <a:pPr/>
               <a:t>‹#›</a:t>
             </a:fld>
             <a:endParaRPr lang="zh-CN" altLang="en-US" sz="1800">
@@ -7445,7 +7447,7 @@
     </p:spTree>
     <p:extLst>
       <p:ext uri="{BB962C8B-B14F-4D97-AF65-F5344CB8AC3E}">
-        <p14:creationId xmlns:p14="http://schemas.microsoft.com/office/powerpoint/2010/main" val="94314232"/>
+        <p14:creationId xmlns:p14="http://schemas.microsoft.com/office/powerpoint/2010/main" xmlns="" val="94314232"/>
       </p:ext>
     </p:extLst>
   </p:cSld>
@@ -7621,6 +7623,7 @@
                 <a:latin typeface="微软雅黑" pitchFamily="34" charset="-122"/>
                 <a:ea typeface="微软雅黑" pitchFamily="34" charset="-122"/>
               </a:rPr>
+              <a:pPr/>
               <a:t>‹#›</a:t>
             </a:fld>
             <a:endParaRPr lang="zh-CN" altLang="en-US" sz="1800">
@@ -7678,7 +7681,7 @@
     </p:spTree>
     <p:extLst>
       <p:ext uri="{BB962C8B-B14F-4D97-AF65-F5344CB8AC3E}">
-        <p14:creationId xmlns:p14="http://schemas.microsoft.com/office/powerpoint/2010/main" val="1670469493"/>
+        <p14:creationId xmlns:p14="http://schemas.microsoft.com/office/powerpoint/2010/main" xmlns="" val="1670469493"/>
       </p:ext>
     </p:extLst>
   </p:cSld>
@@ -7725,7 +7728,7 @@
           <a:blip r:embed="rId7">
             <a:extLst>
               <a:ext uri="{28A0092B-C50C-407E-A947-70E740481C1C}">
-                <a14:useLocalDpi xmlns:a14="http://schemas.microsoft.com/office/drawing/2010/main" val="0"/>
+                <a14:useLocalDpi xmlns:a14="http://schemas.microsoft.com/office/drawing/2010/main" xmlns="" val="0"/>
               </a:ext>
             </a:extLst>
           </a:blip>
@@ -7748,14 +7751,14 @@
           </a:ln>
           <a:extLst>
             <a:ext uri="{909E8E84-426E-40DD-AFC4-6F175D3DCCD1}">
-              <a14:hiddenFill xmlns:a14="http://schemas.microsoft.com/office/drawing/2010/main">
+              <a14:hiddenFill xmlns:a14="http://schemas.microsoft.com/office/drawing/2010/main" xmlns="">
                 <a:solidFill>
                   <a:srgbClr val="FFFFFF"/>
                 </a:solidFill>
               </a14:hiddenFill>
             </a:ext>
             <a:ext uri="{91240B29-F687-4F45-9708-019B960494DF}">
-              <a14:hiddenLine xmlns:a14="http://schemas.microsoft.com/office/drawing/2010/main" w="9525">
+              <a14:hiddenLine xmlns:a14="http://schemas.microsoft.com/office/drawing/2010/main" xmlns="" w="9525">
                 <a:solidFill>
                   <a:srgbClr val="000000"/>
                 </a:solidFill>
@@ -7791,14 +7794,14 @@
           </a:ln>
           <a:extLst>
             <a:ext uri="{909E8E84-426E-40DD-AFC4-6F175D3DCCD1}">
-              <a14:hiddenFill xmlns:a14="http://schemas.microsoft.com/office/drawing/2010/main">
+              <a14:hiddenFill xmlns:a14="http://schemas.microsoft.com/office/drawing/2010/main" xmlns="">
                 <a:solidFill>
                   <a:srgbClr val="FFFFFF"/>
                 </a:solidFill>
               </a14:hiddenFill>
             </a:ext>
             <a:ext uri="{91240B29-F687-4F45-9708-019B960494DF}">
-              <a14:hiddenLine xmlns:a14="http://schemas.microsoft.com/office/drawing/2010/main" w="9525">
+              <a14:hiddenLine xmlns:a14="http://schemas.microsoft.com/office/drawing/2010/main" xmlns="" w="9525">
                 <a:solidFill>
                   <a:srgbClr val="000000"/>
                 </a:solidFill>
@@ -7848,7 +7851,7 @@
           <a:blip r:embed="rId8">
             <a:extLst>
               <a:ext uri="{28A0092B-C50C-407E-A947-70E740481C1C}">
-                <a14:useLocalDpi xmlns:a14="http://schemas.microsoft.com/office/drawing/2010/main" val="0"/>
+                <a14:useLocalDpi xmlns:a14="http://schemas.microsoft.com/office/drawing/2010/main" xmlns="" val="0"/>
               </a:ext>
             </a:extLst>
           </a:blip>
@@ -7871,14 +7874,14 @@
           </a:ln>
           <a:extLst>
             <a:ext uri="{909E8E84-426E-40DD-AFC4-6F175D3DCCD1}">
-              <a14:hiddenFill xmlns:a14="http://schemas.microsoft.com/office/drawing/2010/main">
+              <a14:hiddenFill xmlns:a14="http://schemas.microsoft.com/office/drawing/2010/main" xmlns="">
                 <a:solidFill>
                   <a:srgbClr val="FFFFFF"/>
                 </a:solidFill>
               </a14:hiddenFill>
             </a:ext>
             <a:ext uri="{91240B29-F687-4F45-9708-019B960494DF}">
-              <a14:hiddenLine xmlns:a14="http://schemas.microsoft.com/office/drawing/2010/main" w="9525">
+              <a14:hiddenLine xmlns:a14="http://schemas.microsoft.com/office/drawing/2010/main" xmlns="" w="9525">
                 <a:solidFill>
                   <a:srgbClr val="000000"/>
                 </a:solidFill>
@@ -7893,7 +7896,7 @@
     </p:spTree>
     <p:extLst>
       <p:ext uri="{BB962C8B-B14F-4D97-AF65-F5344CB8AC3E}">
-        <p14:creationId xmlns:p14="http://schemas.microsoft.com/office/powerpoint/2010/main" val="4027097480"/>
+        <p14:creationId xmlns:p14="http://schemas.microsoft.com/office/powerpoint/2010/main" xmlns="" val="4027097480"/>
       </p:ext>
     </p:extLst>
   </p:cSld>
@@ -8591,7 +8594,7 @@
     </p:spTree>
     <p:extLst>
       <p:ext uri="{BB962C8B-B14F-4D97-AF65-F5344CB8AC3E}">
-        <p14:creationId xmlns:p14="http://schemas.microsoft.com/office/powerpoint/2010/main" val="3248314368"/>
+        <p14:creationId xmlns:p14="http://schemas.microsoft.com/office/powerpoint/2010/main" xmlns="" val="3248314368"/>
       </p:ext>
     </p:extLst>
   </p:cSld>
@@ -8670,7 +8673,7 @@
             <p:ph idx="1"/>
             <p:extLst>
               <p:ext uri="{D42A27DB-BD31-4B8C-83A1-F6EECF244321}">
-                <p14:modId xmlns:p14="http://schemas.microsoft.com/office/powerpoint/2010/main" val="122328079"/>
+                <p14:modId xmlns:p14="http://schemas.microsoft.com/office/powerpoint/2010/main" xmlns="" val="122328079"/>
               </p:ext>
             </p:extLst>
           </p:nvPr>
@@ -8688,7 +8691,7 @@
     </p:spTree>
     <p:extLst>
       <p:ext uri="{BB962C8B-B14F-4D97-AF65-F5344CB8AC3E}">
-        <p14:creationId xmlns:p14="http://schemas.microsoft.com/office/powerpoint/2010/main" val="443062313"/>
+        <p14:creationId xmlns:p14="http://schemas.microsoft.com/office/powerpoint/2010/main" xmlns="" val="443062313"/>
       </p:ext>
     </p:extLst>
   </p:cSld>
@@ -8974,7 +8977,7 @@
             </a:ln>
             <a:extLst>
               <a:ext uri="{909E8E84-426E-40DD-AFC4-6F175D3DCCD1}">
-                <a14:hiddenFill xmlns:a14="http://schemas.microsoft.com/office/drawing/2010/main">
+                <a14:hiddenFill xmlns:a14="http://schemas.microsoft.com/office/drawing/2010/main" xmlns="">
                   <a:noFill/>
                 </a14:hiddenFill>
               </a:ext>
@@ -9106,7 +9109,7 @@
             </a:ln>
             <a:extLst>
               <a:ext uri="{909E8E84-426E-40DD-AFC4-6F175D3DCCD1}">
-                <a14:hiddenFill xmlns:a14="http://schemas.microsoft.com/office/drawing/2010/main">
+                <a14:hiddenFill xmlns:a14="http://schemas.microsoft.com/office/drawing/2010/main" xmlns="">
                   <a:noFill/>
                 </a14:hiddenFill>
               </a:ext>
@@ -9236,7 +9239,7 @@
             </a:ln>
             <a:extLst>
               <a:ext uri="{909E8E84-426E-40DD-AFC4-6F175D3DCCD1}">
-                <a14:hiddenFill xmlns:a14="http://schemas.microsoft.com/office/drawing/2010/main">
+                <a14:hiddenFill xmlns:a14="http://schemas.microsoft.com/office/drawing/2010/main" xmlns="">
                   <a:noFill/>
                 </a14:hiddenFill>
               </a:ext>
@@ -9312,14 +9315,14 @@
             </a:ln>
             <a:extLst>
               <a:ext uri="{909E8E84-426E-40DD-AFC4-6F175D3DCCD1}">
-                <a14:hiddenFill xmlns:a14="http://schemas.microsoft.com/office/drawing/2010/main">
+                <a14:hiddenFill xmlns:a14="http://schemas.microsoft.com/office/drawing/2010/main" xmlns="">
                   <a:solidFill>
                     <a:srgbClr val="FFFFFF"/>
                   </a:solidFill>
                 </a14:hiddenFill>
               </a:ext>
               <a:ext uri="{91240B29-F687-4F45-9708-019B960494DF}">
-                <a14:hiddenLine xmlns:a14="http://schemas.microsoft.com/office/drawing/2010/main" w="9525">
+                <a14:hiddenLine xmlns:a14="http://schemas.microsoft.com/office/drawing/2010/main" xmlns="" w="9525">
                   <a:solidFill>
                     <a:srgbClr val="000000"/>
                   </a:solidFill>
@@ -9373,14 +9376,14 @@
             </a:ln>
             <a:extLst>
               <a:ext uri="{909E8E84-426E-40DD-AFC4-6F175D3DCCD1}">
-                <a14:hiddenFill xmlns:a14="http://schemas.microsoft.com/office/drawing/2010/main">
+                <a14:hiddenFill xmlns:a14="http://schemas.microsoft.com/office/drawing/2010/main" xmlns="">
                   <a:solidFill>
                     <a:srgbClr val="FFFFFF"/>
                   </a:solidFill>
                 </a14:hiddenFill>
               </a:ext>
               <a:ext uri="{91240B29-F687-4F45-9708-019B960494DF}">
-                <a14:hiddenLine xmlns:a14="http://schemas.microsoft.com/office/drawing/2010/main" w="9525">
+                <a14:hiddenLine xmlns:a14="http://schemas.microsoft.com/office/drawing/2010/main" xmlns="" w="9525">
                   <a:solidFill>
                     <a:srgbClr val="000000"/>
                   </a:solidFill>
@@ -9434,14 +9437,14 @@
             </a:ln>
             <a:extLst>
               <a:ext uri="{909E8E84-426E-40DD-AFC4-6F175D3DCCD1}">
-                <a14:hiddenFill xmlns:a14="http://schemas.microsoft.com/office/drawing/2010/main">
+                <a14:hiddenFill xmlns:a14="http://schemas.microsoft.com/office/drawing/2010/main" xmlns="">
                   <a:solidFill>
                     <a:srgbClr val="FFFFFF"/>
                   </a:solidFill>
                 </a14:hiddenFill>
               </a:ext>
               <a:ext uri="{91240B29-F687-4F45-9708-019B960494DF}">
-                <a14:hiddenLine xmlns:a14="http://schemas.microsoft.com/office/drawing/2010/main" w="9525">
+                <a14:hiddenLine xmlns:a14="http://schemas.microsoft.com/office/drawing/2010/main" xmlns="" w="9525">
                   <a:solidFill>
                     <a:srgbClr val="000000"/>
                   </a:solidFill>
@@ -9577,7 +9580,7 @@
     </p:spTree>
     <p:extLst>
       <p:ext uri="{BB962C8B-B14F-4D97-AF65-F5344CB8AC3E}">
-        <p14:creationId xmlns:p14="http://schemas.microsoft.com/office/powerpoint/2010/main" val="2462349046"/>
+        <p14:creationId xmlns:p14="http://schemas.microsoft.com/office/powerpoint/2010/main" xmlns="" val="2462349046"/>
       </p:ext>
     </p:extLst>
   </p:cSld>
@@ -9723,7 +9726,7 @@
     </p:spTree>
     <p:extLst>
       <p:ext uri="{BB962C8B-B14F-4D97-AF65-F5344CB8AC3E}">
-        <p14:creationId xmlns:p14="http://schemas.microsoft.com/office/powerpoint/2010/main" val="3810787252"/>
+        <p14:creationId xmlns:p14="http://schemas.microsoft.com/office/powerpoint/2010/main" xmlns="" val="3810787252"/>
       </p:ext>
     </p:extLst>
   </p:cSld>
@@ -10360,7 +10363,7 @@
     </p:spTree>
     <p:extLst>
       <p:ext uri="{BB962C8B-B14F-4D97-AF65-F5344CB8AC3E}">
-        <p14:creationId xmlns:p14="http://schemas.microsoft.com/office/powerpoint/2010/main" val="4045827808"/>
+        <p14:creationId xmlns:p14="http://schemas.microsoft.com/office/powerpoint/2010/main" xmlns="" val="4045827808"/>
       </p:ext>
     </p:extLst>
   </p:cSld>
@@ -10689,7 +10692,7 @@
     </p:spTree>
     <p:extLst>
       <p:ext uri="{BB962C8B-B14F-4D97-AF65-F5344CB8AC3E}">
-        <p14:creationId xmlns:p14="http://schemas.microsoft.com/office/powerpoint/2010/main" val="1037216174"/>
+        <p14:creationId xmlns:p14="http://schemas.microsoft.com/office/powerpoint/2010/main" xmlns="" val="1037216174"/>
       </p:ext>
     </p:extLst>
   </p:cSld>
@@ -10860,7 +10863,7 @@
     </p:spTree>
     <p:extLst>
       <p:ext uri="{BB962C8B-B14F-4D97-AF65-F5344CB8AC3E}">
-        <p14:creationId xmlns:p14="http://schemas.microsoft.com/office/powerpoint/2010/main" val="2367017601"/>
+        <p14:creationId xmlns:p14="http://schemas.microsoft.com/office/powerpoint/2010/main" xmlns="" val="2367017601"/>
       </p:ext>
     </p:extLst>
   </p:cSld>
@@ -11137,7 +11140,7 @@
     </p:spTree>
     <p:extLst>
       <p:ext uri="{BB962C8B-B14F-4D97-AF65-F5344CB8AC3E}">
-        <p14:creationId xmlns:p14="http://schemas.microsoft.com/office/powerpoint/2010/main" val="308716724"/>
+        <p14:creationId xmlns:p14="http://schemas.microsoft.com/office/powerpoint/2010/main" xmlns="" val="308716724"/>
       </p:ext>
     </p:extLst>
   </p:cSld>
@@ -11388,7 +11391,7 @@
     </p:spTree>
     <p:extLst>
       <p:ext uri="{BB962C8B-B14F-4D97-AF65-F5344CB8AC3E}">
-        <p14:creationId xmlns:p14="http://schemas.microsoft.com/office/powerpoint/2010/main" val="2848008493"/>
+        <p14:creationId xmlns:p14="http://schemas.microsoft.com/office/powerpoint/2010/main" xmlns="" val="2848008493"/>
       </p:ext>
     </p:extLst>
   </p:cSld>
@@ -11661,7 +11664,7 @@
     </p:spTree>
     <p:extLst>
       <p:ext uri="{BB962C8B-B14F-4D97-AF65-F5344CB8AC3E}">
-        <p14:creationId xmlns:p14="http://schemas.microsoft.com/office/powerpoint/2010/main" val="4018379636"/>
+        <p14:creationId xmlns:p14="http://schemas.microsoft.com/office/powerpoint/2010/main" xmlns="" val="4018379636"/>
       </p:ext>
     </p:extLst>
   </p:cSld>
@@ -11746,15 +11749,15 @@
           <a:p>
             <a:r>
               <a:rPr lang="zh-CN" altLang="en-US" dirty="0" smtClean="0"/>
-              <a:t>日期</a:t>
-            </a:r>
-            <a:r>
-              <a:rPr lang="zh-CN" altLang="en-US" dirty="0" smtClean="0"/>
-              <a:t>、日期的格式化</a:t>
-            </a:r>
-            <a:r>
-              <a:rPr lang="zh-CN" altLang="en-US" dirty="0" smtClean="0"/>
-              <a:t>、</a:t>
+              <a:t>日期、日期</a:t>
+            </a:r>
+            <a:r>
+              <a:rPr lang="zh-CN" altLang="en-US" smtClean="0"/>
+              <a:t>的</a:t>
+            </a:r>
+            <a:r>
+              <a:rPr lang="zh-CN" altLang="en-US" smtClean="0"/>
+              <a:t>格式化</a:t>
             </a:r>
             <a:endParaRPr lang="en-US" altLang="zh-CN" dirty="0" smtClean="0"/>
           </a:p>
@@ -12036,7 +12039,7 @@
     </p:spTree>
     <p:extLst>
       <p:ext uri="{BB962C8B-B14F-4D97-AF65-F5344CB8AC3E}">
-        <p14:creationId xmlns:p14="http://schemas.microsoft.com/office/powerpoint/2010/main" val="1851412828"/>
+        <p14:creationId xmlns:p14="http://schemas.microsoft.com/office/powerpoint/2010/main" xmlns="" val="1851412828"/>
       </p:ext>
     </p:extLst>
   </p:cSld>
@@ -12370,7 +12373,7 @@
     </p:spTree>
     <p:extLst>
       <p:ext uri="{BB962C8B-B14F-4D97-AF65-F5344CB8AC3E}">
-        <p14:creationId xmlns:p14="http://schemas.microsoft.com/office/powerpoint/2010/main" val="1762929335"/>
+        <p14:creationId xmlns:p14="http://schemas.microsoft.com/office/powerpoint/2010/main" xmlns="" val="1762929335"/>
       </p:ext>
     </p:extLst>
   </p:cSld>
@@ -12631,7 +12634,7 @@
     </p:spTree>
     <p:extLst>
       <p:ext uri="{BB962C8B-B14F-4D97-AF65-F5344CB8AC3E}">
-        <p14:creationId xmlns:p14="http://schemas.microsoft.com/office/powerpoint/2010/main" val="1250504554"/>
+        <p14:creationId xmlns:p14="http://schemas.microsoft.com/office/powerpoint/2010/main" xmlns="" val="1250504554"/>
       </p:ext>
     </p:extLst>
   </p:cSld>
@@ -12758,7 +12761,7 @@
     </p:spTree>
     <p:extLst>
       <p:ext uri="{BB962C8B-B14F-4D97-AF65-F5344CB8AC3E}">
-        <p14:creationId xmlns:p14="http://schemas.microsoft.com/office/powerpoint/2010/main" val="857053932"/>
+        <p14:creationId xmlns:p14="http://schemas.microsoft.com/office/powerpoint/2010/main" xmlns="" val="857053932"/>
       </p:ext>
     </p:extLst>
   </p:cSld>
@@ -13079,7 +13082,7 @@
     </p:spTree>
     <p:extLst>
       <p:ext uri="{BB962C8B-B14F-4D97-AF65-F5344CB8AC3E}">
-        <p14:creationId xmlns:p14="http://schemas.microsoft.com/office/powerpoint/2010/main" val="2219742632"/>
+        <p14:creationId xmlns:p14="http://schemas.microsoft.com/office/powerpoint/2010/main" xmlns="" val="2219742632"/>
       </p:ext>
     </p:extLst>
   </p:cSld>
@@ -13893,7 +13896,7 @@
     </p:spTree>
     <p:extLst>
       <p:ext uri="{BB962C8B-B14F-4D97-AF65-F5344CB8AC3E}">
-        <p14:creationId xmlns:p14="http://schemas.microsoft.com/office/powerpoint/2010/main" val="1713161979"/>
+        <p14:creationId xmlns:p14="http://schemas.microsoft.com/office/powerpoint/2010/main" xmlns="" val="1713161979"/>
       </p:ext>
     </p:extLst>
   </p:cSld>
@@ -14644,7 +14647,7 @@
     </p:spTree>
     <p:extLst>
       <p:ext uri="{BB962C8B-B14F-4D97-AF65-F5344CB8AC3E}">
-        <p14:creationId xmlns:p14="http://schemas.microsoft.com/office/powerpoint/2010/main" val="1774377870"/>
+        <p14:creationId xmlns:p14="http://schemas.microsoft.com/office/powerpoint/2010/main" xmlns="" val="1774377870"/>
       </p:ext>
     </p:extLst>
   </p:cSld>
@@ -14711,7 +14714,7 @@
             <p:ph idx="1"/>
             <p:extLst>
               <p:ext uri="{D42A27DB-BD31-4B8C-83A1-F6EECF244321}">
-                <p14:modId xmlns:p14="http://schemas.microsoft.com/office/powerpoint/2010/main" val="296979678"/>
+                <p14:modId xmlns:p14="http://schemas.microsoft.com/office/powerpoint/2010/main" xmlns="" val="296979678"/>
               </p:ext>
             </p:extLst>
           </p:nvPr>
@@ -16667,7 +16670,7 @@
     </p:spTree>
     <p:extLst>
       <p:ext uri="{BB962C8B-B14F-4D97-AF65-F5344CB8AC3E}">
-        <p14:creationId xmlns:p14="http://schemas.microsoft.com/office/powerpoint/2010/main" val="2797037999"/>
+        <p14:creationId xmlns:p14="http://schemas.microsoft.com/office/powerpoint/2010/main" xmlns="" val="2797037999"/>
       </p:ext>
     </p:extLst>
   </p:cSld>
@@ -16887,7 +16890,7 @@
     </p:spTree>
     <p:extLst>
       <p:ext uri="{BB962C8B-B14F-4D97-AF65-F5344CB8AC3E}">
-        <p14:creationId xmlns:p14="http://schemas.microsoft.com/office/powerpoint/2010/main" val="1998997416"/>
+        <p14:creationId xmlns:p14="http://schemas.microsoft.com/office/powerpoint/2010/main" xmlns="" val="1998997416"/>
       </p:ext>
     </p:extLst>
   </p:cSld>
@@ -16997,7 +17000,7 @@
     </p:spTree>
     <p:extLst>
       <p:ext uri="{BB962C8B-B14F-4D97-AF65-F5344CB8AC3E}">
-        <p14:creationId xmlns:p14="http://schemas.microsoft.com/office/powerpoint/2010/main" val="3367011925"/>
+        <p14:creationId xmlns:p14="http://schemas.microsoft.com/office/powerpoint/2010/main" xmlns="" val="3367011925"/>
       </p:ext>
     </p:extLst>
   </p:cSld>
@@ -17161,7 +17164,7 @@
     </p:spTree>
     <p:extLst>
       <p:ext uri="{BB962C8B-B14F-4D97-AF65-F5344CB8AC3E}">
-        <p14:creationId xmlns:p14="http://schemas.microsoft.com/office/powerpoint/2010/main" val="1812644372"/>
+        <p14:creationId xmlns:p14="http://schemas.microsoft.com/office/powerpoint/2010/main" xmlns="" val="1812644372"/>
       </p:ext>
     </p:extLst>
   </p:cSld>
@@ -17238,7 +17241,7 @@
     </p:spTree>
     <p:extLst>
       <p:ext uri="{BB962C8B-B14F-4D97-AF65-F5344CB8AC3E}">
-        <p14:creationId xmlns:p14="http://schemas.microsoft.com/office/powerpoint/2010/main" val="21424256"/>
+        <p14:creationId xmlns:p14="http://schemas.microsoft.com/office/powerpoint/2010/main" xmlns="" val="21424256"/>
       </p:ext>
     </p:extLst>
   </p:cSld>
@@ -17506,7 +17509,7 @@
     </p:spTree>
     <p:extLst>
       <p:ext uri="{BB962C8B-B14F-4D97-AF65-F5344CB8AC3E}">
-        <p14:creationId xmlns:p14="http://schemas.microsoft.com/office/powerpoint/2010/main" val="2786824687"/>
+        <p14:creationId xmlns:p14="http://schemas.microsoft.com/office/powerpoint/2010/main" xmlns="" val="2786824687"/>
       </p:ext>
     </p:extLst>
   </p:cSld>
@@ -17640,7 +17643,7 @@
     </p:spTree>
     <p:extLst>
       <p:ext uri="{BB962C8B-B14F-4D97-AF65-F5344CB8AC3E}">
-        <p14:creationId xmlns:p14="http://schemas.microsoft.com/office/powerpoint/2010/main" val="2210520347"/>
+        <p14:creationId xmlns:p14="http://schemas.microsoft.com/office/powerpoint/2010/main" xmlns="" val="2210520347"/>
       </p:ext>
     </p:extLst>
   </p:cSld>
@@ -17839,7 +17842,7 @@
     </p:spTree>
     <p:extLst>
       <p:ext uri="{BB962C8B-B14F-4D97-AF65-F5344CB8AC3E}">
-        <p14:creationId xmlns:p14="http://schemas.microsoft.com/office/powerpoint/2010/main" val="3934520548"/>
+        <p14:creationId xmlns:p14="http://schemas.microsoft.com/office/powerpoint/2010/main" xmlns="" val="3934520548"/>
       </p:ext>
     </p:extLst>
   </p:cSld>
@@ -18112,7 +18115,7 @@
     </p:spTree>
     <p:extLst>
       <p:ext uri="{BB962C8B-B14F-4D97-AF65-F5344CB8AC3E}">
-        <p14:creationId xmlns:p14="http://schemas.microsoft.com/office/powerpoint/2010/main" val="473861487"/>
+        <p14:creationId xmlns:p14="http://schemas.microsoft.com/office/powerpoint/2010/main" xmlns="" val="473861487"/>
       </p:ext>
     </p:extLst>
   </p:cSld>
@@ -18259,7 +18262,7 @@
     </p:spTree>
     <p:extLst>
       <p:ext uri="{BB962C8B-B14F-4D97-AF65-F5344CB8AC3E}">
-        <p14:creationId xmlns:p14="http://schemas.microsoft.com/office/powerpoint/2010/main" val="3040203709"/>
+        <p14:creationId xmlns:p14="http://schemas.microsoft.com/office/powerpoint/2010/main" xmlns="" val="3040203709"/>
       </p:ext>
     </p:extLst>
   </p:cSld>
@@ -18433,7 +18436,7 @@
     </p:spTree>
     <p:extLst>
       <p:ext uri="{BB962C8B-B14F-4D97-AF65-F5344CB8AC3E}">
-        <p14:creationId xmlns:p14="http://schemas.microsoft.com/office/powerpoint/2010/main" val="917047869"/>
+        <p14:creationId xmlns:p14="http://schemas.microsoft.com/office/powerpoint/2010/main" xmlns="" val="917047869"/>
       </p:ext>
     </p:extLst>
   </p:cSld>
@@ -18700,7 +18703,7 @@
         <a:effectLst/>
         <a:extLst>
           <a:ext uri="{AF507438-7753-43E0-B8FC-AC1667EBCBE1}">
-            <a14:hiddenEffects xmlns:a14="http://schemas.microsoft.com/office/drawing/2010/main">
+            <a14:hiddenEffects xmlns:a14="http://schemas.microsoft.com/office/drawing/2010/main" xmlns="">
               <a:effectLst>
                 <a:outerShdw dist="35921" dir="2700000" algn="ctr" rotWithShape="0">
                   <a:schemeClr val="bg2"/>
@@ -18774,7 +18777,7 @@
         <a:effectLst/>
         <a:extLst>
           <a:ext uri="{AF507438-7753-43E0-B8FC-AC1667EBCBE1}">
-            <a14:hiddenEffects xmlns:a14="http://schemas.microsoft.com/office/drawing/2010/main">
+            <a14:hiddenEffects xmlns:a14="http://schemas.microsoft.com/office/drawing/2010/main" xmlns="">
               <a:effectLst>
                 <a:outerShdw dist="35921" dir="2700000" algn="ctr" rotWithShape="0">
                   <a:schemeClr val="bg2"/>
